--- a/android/handler/doc/slides.pptx
+++ b/android/handler/doc/slides.pptx
@@ -200,7 +200,7 @@
           <a:p>
             <a:fld id="{E225A742-2977-454C-9F5C-C2D697B398D9}" type="datetimeFigureOut">
               <a:rPr lang="en-US" smtClean="0"/>
-              <a:t>7/30/2015</a:t>
+              <a:t>8/6/2015</a:t>
             </a:fld>
             <a:endParaRPr lang="en-US"/>
           </a:p>
@@ -3809,9 +3809,78 @@
           </a:p>
         </p:txBody>
       </p:sp>
+      <p:sp>
+        <p:nvSpPr>
+          <p:cNvPr id="6" name="Date Placeholder 5"/>
+          <p:cNvSpPr>
+            <a:spLocks noGrp="1"/>
+          </p:cNvSpPr>
+          <p:nvPr>
+            <p:ph type="dt" sz="half" idx="10"/>
+          </p:nvPr>
+        </p:nvSpPr>
+        <p:spPr/>
+        <p:txBody>
+          <a:bodyPr/>
+          <a:lstStyle/>
+          <a:p>
+            <a:r>
+              <a:rPr lang="en-US" smtClean="0"/>
+              <a:t>tutorial/android/handler</a:t>
+            </a:r>
+            <a:endParaRPr lang="en-US"/>
+          </a:p>
+        </p:txBody>
+      </p:sp>
+      <p:sp>
+        <p:nvSpPr>
+          <p:cNvPr id="7" name="Footer Placeholder 6"/>
+          <p:cNvSpPr>
+            <a:spLocks noGrp="1"/>
+          </p:cNvSpPr>
+          <p:nvPr>
+            <p:ph type="ftr" sz="quarter" idx="11"/>
+          </p:nvPr>
+        </p:nvSpPr>
+        <p:spPr/>
+        <p:txBody>
+          <a:bodyPr/>
+          <a:lstStyle/>
+          <a:p>
+            <a:r>
+              <a:rPr lang="en-US" smtClean="0"/>
+              <a:t>/  4</a:t>
+            </a:r>
+            <a:endParaRPr lang="en-US"/>
+          </a:p>
+        </p:txBody>
+      </p:sp>
+      <p:sp>
+        <p:nvSpPr>
+          <p:cNvPr id="8" name="Slide Number Placeholder 7"/>
+          <p:cNvSpPr>
+            <a:spLocks noGrp="1"/>
+          </p:cNvSpPr>
+          <p:nvPr>
+            <p:ph type="sldNum" sz="quarter" idx="12"/>
+          </p:nvPr>
+        </p:nvSpPr>
+        <p:spPr/>
+        <p:txBody>
+          <a:bodyPr/>
+          <a:lstStyle/>
+          <a:p>
+            <a:fld id="{CCDBAADA-30DE-4CCF-A977-DB7513B852A8}" type="slidenum">
+              <a:rPr lang="en-US" smtClean="0"/>
+              <a:t>2</a:t>
+            </a:fld>
+            <a:endParaRPr lang="en-US"/>
+          </a:p>
+        </p:txBody>
+      </p:sp>
       <p:pic>
         <p:nvPicPr>
-          <p:cNvPr id="5" name="Picture 4"/>
+          <p:cNvPr id="2" name="Picture 1"/>
           <p:cNvPicPr>
             <a:picLocks noChangeAspect="1"/>
           </p:cNvPicPr>
@@ -3831,83 +3900,14 @@
         </p:blipFill>
         <p:spPr>
           <a:xfrm>
-            <a:off x="4096406" y="365125"/>
-            <a:ext cx="3857625" cy="4976949"/>
+            <a:off x="4623571" y="561069"/>
+            <a:ext cx="2579098" cy="4585062"/>
           </a:xfrm>
           <a:prstGeom prst="rect">
             <a:avLst/>
           </a:prstGeom>
         </p:spPr>
       </p:pic>
-      <p:sp>
-        <p:nvSpPr>
-          <p:cNvPr id="6" name="Date Placeholder 5"/>
-          <p:cNvSpPr>
-            <a:spLocks noGrp="1"/>
-          </p:cNvSpPr>
-          <p:nvPr>
-            <p:ph type="dt" sz="half" idx="10"/>
-          </p:nvPr>
-        </p:nvSpPr>
-        <p:spPr/>
-        <p:txBody>
-          <a:bodyPr/>
-          <a:lstStyle/>
-          <a:p>
-            <a:r>
-              <a:rPr lang="en-US" smtClean="0"/>
-              <a:t>tutorial/android/handler</a:t>
-            </a:r>
-            <a:endParaRPr lang="en-US"/>
-          </a:p>
-        </p:txBody>
-      </p:sp>
-      <p:sp>
-        <p:nvSpPr>
-          <p:cNvPr id="7" name="Footer Placeholder 6"/>
-          <p:cNvSpPr>
-            <a:spLocks noGrp="1"/>
-          </p:cNvSpPr>
-          <p:nvPr>
-            <p:ph type="ftr" sz="quarter" idx="11"/>
-          </p:nvPr>
-        </p:nvSpPr>
-        <p:spPr/>
-        <p:txBody>
-          <a:bodyPr/>
-          <a:lstStyle/>
-          <a:p>
-            <a:r>
-              <a:rPr lang="en-US" smtClean="0"/>
-              <a:t>/  4</a:t>
-            </a:r>
-            <a:endParaRPr lang="en-US"/>
-          </a:p>
-        </p:txBody>
-      </p:sp>
-      <p:sp>
-        <p:nvSpPr>
-          <p:cNvPr id="8" name="Slide Number Placeholder 7"/>
-          <p:cNvSpPr>
-            <a:spLocks noGrp="1"/>
-          </p:cNvSpPr>
-          <p:nvPr>
-            <p:ph type="sldNum" sz="quarter" idx="12"/>
-          </p:nvPr>
-        </p:nvSpPr>
-        <p:spPr/>
-        <p:txBody>
-          <a:bodyPr/>
-          <a:lstStyle/>
-          <a:p>
-            <a:fld id="{CCDBAADA-30DE-4CCF-A977-DB7513B852A8}" type="slidenum">
-              <a:rPr lang="en-US" smtClean="0"/>
-              <a:t>2</a:t>
-            </a:fld>
-            <a:endParaRPr lang="en-US"/>
-          </a:p>
-        </p:txBody>
-      </p:sp>
     </p:spTree>
     <p:extLst>
       <p:ext uri="{BB962C8B-B14F-4D97-AF65-F5344CB8AC3E}">
